--- a/Presentation/Data Transfer Via Sound.pptx
+++ b/Presentation/Data Transfer Via Sound.pptx
@@ -179,7 +179,7 @@
           <a:noFill/>
           <a:extLst>
             <a:ext uri="{909E8E84-426E-40dd-AFC4-6F175D3DCCD1}">
-              <a14:hiddenFill xmlns="" xmlns:a14="http://schemas.microsoft.com/office/drawing/2010/main">
+              <a14:hiddenFill xmlns:a14="http://schemas.microsoft.com/office/drawing/2010/main" xmlns="">
                 <a:solidFill>
                   <a:srgbClr val="FFFFFF"/>
                 </a:solidFill>
@@ -239,7 +239,7 @@
             </a:ln>
             <a:extLst>
               <a:ext uri="{91240B29-F687-4f45-9708-019B960494DF}">
-                <a14:hiddenLine xmlns="" xmlns:a14="http://schemas.microsoft.com/office/drawing/2010/main" w="9525">
+                <a14:hiddenLine xmlns:a14="http://schemas.microsoft.com/office/drawing/2010/main" xmlns="" w="9525">
                   <a:solidFill>
                     <a:srgbClr val="000000"/>
                   </a:solidFill>
@@ -329,7 +329,7 @@
             </a:ln>
             <a:extLst>
               <a:ext uri="{91240B29-F687-4f45-9708-019B960494DF}">
-                <a14:hiddenLine xmlns="" xmlns:a14="http://schemas.microsoft.com/office/drawing/2010/main" w="9525">
+                <a14:hiddenLine xmlns:a14="http://schemas.microsoft.com/office/drawing/2010/main" xmlns="" w="9525">
                   <a:solidFill>
                     <a:srgbClr val="000000"/>
                   </a:solidFill>
@@ -419,7 +419,7 @@
             </a:ln>
             <a:extLst>
               <a:ext uri="{91240B29-F687-4f45-9708-019B960494DF}">
-                <a14:hiddenLine xmlns="" xmlns:a14="http://schemas.microsoft.com/office/drawing/2010/main" w="9525">
+                <a14:hiddenLine xmlns:a14="http://schemas.microsoft.com/office/drawing/2010/main" xmlns="" w="9525">
                   <a:solidFill>
                     <a:srgbClr val="000000"/>
                   </a:solidFill>
@@ -453,7 +453,7 @@
             </a:ln>
             <a:extLst>
               <a:ext uri="{91240B29-F687-4f45-9708-019B960494DF}">
-                <a14:hiddenLine xmlns="" xmlns:a14="http://schemas.microsoft.com/office/drawing/2010/main" w="9525">
+                <a14:hiddenLine xmlns:a14="http://schemas.microsoft.com/office/drawing/2010/main" xmlns="" w="9525">
                   <a:solidFill>
                     <a:srgbClr val="000000"/>
                   </a:solidFill>
@@ -543,7 +543,7 @@
             </a:ln>
             <a:extLst>
               <a:ext uri="{91240B29-F687-4f45-9708-019B960494DF}">
-                <a14:hiddenLine xmlns="" xmlns:a14="http://schemas.microsoft.com/office/drawing/2010/main" w="9525">
+                <a14:hiddenLine xmlns:a14="http://schemas.microsoft.com/office/drawing/2010/main" xmlns="" w="9525">
                   <a:solidFill>
                     <a:srgbClr val="000000"/>
                   </a:solidFill>
@@ -605,7 +605,7 @@
             </a:ln>
             <a:extLst>
               <a:ext uri="{91240B29-F687-4f45-9708-019B960494DF}">
-                <a14:hiddenLine xmlns="" xmlns:a14="http://schemas.microsoft.com/office/drawing/2010/main" w="9525">
+                <a14:hiddenLine xmlns:a14="http://schemas.microsoft.com/office/drawing/2010/main" xmlns="" w="9525">
                   <a:solidFill>
                     <a:srgbClr val="000000"/>
                   </a:solidFill>
@@ -667,7 +667,7 @@
             </a:ln>
             <a:extLst>
               <a:ext uri="{91240B29-F687-4f45-9708-019B960494DF}">
-                <a14:hiddenLine xmlns="" xmlns:a14="http://schemas.microsoft.com/office/drawing/2010/main" w="9525">
+                <a14:hiddenLine xmlns:a14="http://schemas.microsoft.com/office/drawing/2010/main" xmlns="" w="9525">
                   <a:solidFill>
                     <a:srgbClr val="000000"/>
                   </a:solidFill>
@@ -757,7 +757,7 @@
             </a:ln>
             <a:extLst>
               <a:ext uri="{91240B29-F687-4f45-9708-019B960494DF}">
-                <a14:hiddenLine xmlns="" xmlns:a14="http://schemas.microsoft.com/office/drawing/2010/main" w="9525">
+                <a14:hiddenLine xmlns:a14="http://schemas.microsoft.com/office/drawing/2010/main" xmlns="" w="9525">
                   <a:solidFill>
                     <a:srgbClr val="000000"/>
                   </a:solidFill>
@@ -819,7 +819,7 @@
             </a:ln>
             <a:extLst>
               <a:ext uri="{91240B29-F687-4f45-9708-019B960494DF}">
-                <a14:hiddenLine xmlns="" xmlns:a14="http://schemas.microsoft.com/office/drawing/2010/main" w="9525">
+                <a14:hiddenLine xmlns:a14="http://schemas.microsoft.com/office/drawing/2010/main" xmlns="" w="9525">
                   <a:solidFill>
                     <a:srgbClr val="000000"/>
                   </a:solidFill>
@@ -881,7 +881,7 @@
             </a:ln>
             <a:extLst>
               <a:ext uri="{91240B29-F687-4f45-9708-019B960494DF}">
-                <a14:hiddenLine xmlns="" xmlns:a14="http://schemas.microsoft.com/office/drawing/2010/main" w="9525">
+                <a14:hiddenLine xmlns:a14="http://schemas.microsoft.com/office/drawing/2010/main" xmlns="" w="9525">
                   <a:solidFill>
                     <a:srgbClr val="000000"/>
                   </a:solidFill>
@@ -971,7 +971,7 @@
             </a:ln>
             <a:extLst>
               <a:ext uri="{91240B29-F687-4f45-9708-019B960494DF}">
-                <a14:hiddenLine xmlns="" xmlns:a14="http://schemas.microsoft.com/office/drawing/2010/main" w="9525">
+                <a14:hiddenLine xmlns:a14="http://schemas.microsoft.com/office/drawing/2010/main" xmlns="" w="9525">
                   <a:solidFill>
                     <a:srgbClr val="000000"/>
                   </a:solidFill>
@@ -1061,7 +1061,7 @@
             </a:ln>
             <a:extLst>
               <a:ext uri="{91240B29-F687-4f45-9708-019B960494DF}">
-                <a14:hiddenLine xmlns="" xmlns:a14="http://schemas.microsoft.com/office/drawing/2010/main" w="9525">
+                <a14:hiddenLine xmlns:a14="http://schemas.microsoft.com/office/drawing/2010/main" xmlns="" w="9525">
                   <a:solidFill>
                     <a:srgbClr val="000000"/>
                   </a:solidFill>
@@ -1123,7 +1123,7 @@
             </a:ln>
             <a:extLst>
               <a:ext uri="{91240B29-F687-4f45-9708-019B960494DF}">
-                <a14:hiddenLine xmlns="" xmlns:a14="http://schemas.microsoft.com/office/drawing/2010/main" w="9525">
+                <a14:hiddenLine xmlns:a14="http://schemas.microsoft.com/office/drawing/2010/main" xmlns="" w="9525">
                   <a:solidFill>
                     <a:srgbClr val="000000"/>
                   </a:solidFill>
@@ -1233,7 +1233,7 @@
             </a:ln>
             <a:extLst>
               <a:ext uri="{91240B29-F687-4f45-9708-019B960494DF}">
-                <a14:hiddenLine xmlns="" xmlns:a14="http://schemas.microsoft.com/office/drawing/2010/main" w="9525">
+                <a14:hiddenLine xmlns:a14="http://schemas.microsoft.com/office/drawing/2010/main" xmlns="" w="9525">
                   <a:solidFill>
                     <a:srgbClr val="000000"/>
                   </a:solidFill>
@@ -1295,7 +1295,7 @@
             </a:ln>
             <a:extLst>
               <a:ext uri="{91240B29-F687-4f45-9708-019B960494DF}">
-                <a14:hiddenLine xmlns="" xmlns:a14="http://schemas.microsoft.com/office/drawing/2010/main" w="9525">
+                <a14:hiddenLine xmlns:a14="http://schemas.microsoft.com/office/drawing/2010/main" xmlns="" w="9525">
                   <a:solidFill>
                     <a:srgbClr val="000000"/>
                   </a:solidFill>
@@ -1385,7 +1385,7 @@
             </a:ln>
             <a:extLst>
               <a:ext uri="{91240B29-F687-4f45-9708-019B960494DF}">
-                <a14:hiddenLine xmlns="" xmlns:a14="http://schemas.microsoft.com/office/drawing/2010/main" w="9525">
+                <a14:hiddenLine xmlns:a14="http://schemas.microsoft.com/office/drawing/2010/main" xmlns="" w="9525">
                   <a:solidFill>
                     <a:srgbClr val="000000"/>
                   </a:solidFill>
@@ -1475,7 +1475,7 @@
             </a:ln>
             <a:extLst>
               <a:ext uri="{91240B29-F687-4f45-9708-019B960494DF}">
-                <a14:hiddenLine xmlns="" xmlns:a14="http://schemas.microsoft.com/office/drawing/2010/main" w="9525">
+                <a14:hiddenLine xmlns:a14="http://schemas.microsoft.com/office/drawing/2010/main" xmlns="" w="9525">
                   <a:solidFill>
                     <a:srgbClr val="000000"/>
                   </a:solidFill>
@@ -1537,7 +1537,7 @@
             </a:ln>
             <a:extLst>
               <a:ext uri="{91240B29-F687-4f45-9708-019B960494DF}">
-                <a14:hiddenLine xmlns="" xmlns:a14="http://schemas.microsoft.com/office/drawing/2010/main" w="9525">
+                <a14:hiddenLine xmlns:a14="http://schemas.microsoft.com/office/drawing/2010/main" xmlns="" w="9525">
                   <a:solidFill>
                     <a:srgbClr val="000000"/>
                   </a:solidFill>
@@ -1627,7 +1627,7 @@
             </a:ln>
             <a:extLst>
               <a:ext uri="{91240B29-F687-4f45-9708-019B960494DF}">
-                <a14:hiddenLine xmlns="" xmlns:a14="http://schemas.microsoft.com/office/drawing/2010/main" w="9525">
+                <a14:hiddenLine xmlns:a14="http://schemas.microsoft.com/office/drawing/2010/main" xmlns="" w="9525">
                   <a:solidFill>
                     <a:srgbClr val="000000"/>
                   </a:solidFill>
@@ -1717,7 +1717,7 @@
             </a:ln>
             <a:extLst>
               <a:ext uri="{91240B29-F687-4f45-9708-019B960494DF}">
-                <a14:hiddenLine xmlns="" xmlns:a14="http://schemas.microsoft.com/office/drawing/2010/main" w="9525">
+                <a14:hiddenLine xmlns:a14="http://schemas.microsoft.com/office/drawing/2010/main" xmlns="" w="9525">
                   <a:solidFill>
                     <a:srgbClr val="000000"/>
                   </a:solidFill>
@@ -1773,7 +1773,7 @@
             </a:ln>
             <a:extLst>
               <a:ext uri="{91240B29-F687-4f45-9708-019B960494DF}">
-                <a14:hiddenLine xmlns="" xmlns:a14="http://schemas.microsoft.com/office/drawing/2010/main" w="9525">
+                <a14:hiddenLine xmlns:a14="http://schemas.microsoft.com/office/drawing/2010/main" xmlns="" w="9525">
                   <a:solidFill>
                     <a:srgbClr val="000000"/>
                   </a:solidFill>
@@ -1863,7 +1863,7 @@
             </a:ln>
             <a:extLst>
               <a:ext uri="{91240B29-F687-4f45-9708-019B960494DF}">
-                <a14:hiddenLine xmlns="" xmlns:a14="http://schemas.microsoft.com/office/drawing/2010/main" w="9525">
+                <a14:hiddenLine xmlns:a14="http://schemas.microsoft.com/office/drawing/2010/main" xmlns="" w="9525">
                   <a:solidFill>
                     <a:srgbClr val="000000"/>
                   </a:solidFill>
@@ -1919,7 +1919,7 @@
             </a:ln>
             <a:extLst>
               <a:ext uri="{91240B29-F687-4f45-9708-019B960494DF}">
-                <a14:hiddenLine xmlns="" xmlns:a14="http://schemas.microsoft.com/office/drawing/2010/main" w="9525">
+                <a14:hiddenLine xmlns:a14="http://schemas.microsoft.com/office/drawing/2010/main" xmlns="" w="9525">
                   <a:solidFill>
                     <a:srgbClr val="000000"/>
                   </a:solidFill>
@@ -2009,7 +2009,7 @@
             </a:ln>
             <a:extLst>
               <a:ext uri="{91240B29-F687-4f45-9708-019B960494DF}">
-                <a14:hiddenLine xmlns="" xmlns:a14="http://schemas.microsoft.com/office/drawing/2010/main" w="9525">
+                <a14:hiddenLine xmlns:a14="http://schemas.microsoft.com/office/drawing/2010/main" xmlns="" w="9525">
                   <a:solidFill>
                     <a:srgbClr val="000000"/>
                   </a:solidFill>
@@ -2077,7 +2077,7 @@
             </a:ln>
             <a:extLst>
               <a:ext uri="{91240B29-F687-4f45-9708-019B960494DF}">
-                <a14:hiddenLine xmlns="" xmlns:a14="http://schemas.microsoft.com/office/drawing/2010/main" w="9525">
+                <a14:hiddenLine xmlns:a14="http://schemas.microsoft.com/office/drawing/2010/main" xmlns="" w="9525">
                   <a:solidFill>
                     <a:srgbClr val="000000"/>
                   </a:solidFill>
@@ -2167,7 +2167,7 @@
             </a:ln>
             <a:extLst>
               <a:ext uri="{91240B29-F687-4f45-9708-019B960494DF}">
-                <a14:hiddenLine xmlns="" xmlns:a14="http://schemas.microsoft.com/office/drawing/2010/main" w="9525">
+                <a14:hiddenLine xmlns:a14="http://schemas.microsoft.com/office/drawing/2010/main" xmlns="" w="9525">
                   <a:solidFill>
                     <a:srgbClr val="000000"/>
                   </a:solidFill>
@@ -2235,7 +2235,7 @@
             </a:ln>
             <a:extLst>
               <a:ext uri="{91240B29-F687-4f45-9708-019B960494DF}">
-                <a14:hiddenLine xmlns="" xmlns:a14="http://schemas.microsoft.com/office/drawing/2010/main" w="9525">
+                <a14:hiddenLine xmlns:a14="http://schemas.microsoft.com/office/drawing/2010/main" xmlns="" w="9525">
                   <a:solidFill>
                     <a:srgbClr val="000000"/>
                   </a:solidFill>
@@ -2325,7 +2325,7 @@
             </a:ln>
             <a:extLst>
               <a:ext uri="{91240B29-F687-4f45-9708-019B960494DF}">
-                <a14:hiddenLine xmlns="" xmlns:a14="http://schemas.microsoft.com/office/drawing/2010/main" w="9525">
+                <a14:hiddenLine xmlns:a14="http://schemas.microsoft.com/office/drawing/2010/main" xmlns="" w="9525">
                   <a:solidFill>
                     <a:srgbClr val="000000"/>
                   </a:solidFill>
@@ -2359,7 +2359,7 @@
             </a:ln>
             <a:extLst>
               <a:ext uri="{91240B29-F687-4f45-9708-019B960494DF}">
-                <a14:hiddenLine xmlns="" xmlns:a14="http://schemas.microsoft.com/office/drawing/2010/main" w="9525">
+                <a14:hiddenLine xmlns:a14="http://schemas.microsoft.com/office/drawing/2010/main" xmlns="" w="9525">
                   <a:solidFill>
                     <a:srgbClr val="000000"/>
                   </a:solidFill>
@@ -2449,7 +2449,7 @@
             </a:ln>
             <a:extLst>
               <a:ext uri="{91240B29-F687-4f45-9708-019B960494DF}">
-                <a14:hiddenLine xmlns="" xmlns:a14="http://schemas.microsoft.com/office/drawing/2010/main" w="9525">
+                <a14:hiddenLine xmlns:a14="http://schemas.microsoft.com/office/drawing/2010/main" xmlns="" w="9525">
                   <a:solidFill>
                     <a:srgbClr val="000000"/>
                   </a:solidFill>
@@ -2511,7 +2511,7 @@
             </a:ln>
             <a:extLst>
               <a:ext uri="{91240B29-F687-4f45-9708-019B960494DF}">
-                <a14:hiddenLine xmlns="" xmlns:a14="http://schemas.microsoft.com/office/drawing/2010/main" w="9525">
+                <a14:hiddenLine xmlns:a14="http://schemas.microsoft.com/office/drawing/2010/main" xmlns="" w="9525">
                   <a:solidFill>
                     <a:srgbClr val="000000"/>
                   </a:solidFill>
@@ -2573,7 +2573,7 @@
             </a:ln>
             <a:extLst>
               <a:ext uri="{91240B29-F687-4f45-9708-019B960494DF}">
-                <a14:hiddenLine xmlns="" xmlns:a14="http://schemas.microsoft.com/office/drawing/2010/main" w="9525">
+                <a14:hiddenLine xmlns:a14="http://schemas.microsoft.com/office/drawing/2010/main" xmlns="" w="9525">
                   <a:solidFill>
                     <a:srgbClr val="000000"/>
                   </a:solidFill>
@@ -2663,7 +2663,7 @@
             </a:ln>
             <a:extLst>
               <a:ext uri="{91240B29-F687-4f45-9708-019B960494DF}">
-                <a14:hiddenLine xmlns="" xmlns:a14="http://schemas.microsoft.com/office/drawing/2010/main" w="9525">
+                <a14:hiddenLine xmlns:a14="http://schemas.microsoft.com/office/drawing/2010/main" xmlns="" w="9525">
                   <a:solidFill>
                     <a:srgbClr val="000000"/>
                   </a:solidFill>
@@ -2731,7 +2731,7 @@
             </a:ln>
             <a:extLst>
               <a:ext uri="{91240B29-F687-4f45-9708-019B960494DF}">
-                <a14:hiddenLine xmlns="" xmlns:a14="http://schemas.microsoft.com/office/drawing/2010/main" w="9525">
+                <a14:hiddenLine xmlns:a14="http://schemas.microsoft.com/office/drawing/2010/main" xmlns="" w="9525">
                   <a:solidFill>
                     <a:srgbClr val="000000"/>
                   </a:solidFill>
@@ -2793,7 +2793,7 @@
             </a:ln>
             <a:extLst>
               <a:ext uri="{91240B29-F687-4f45-9708-019B960494DF}">
-                <a14:hiddenLine xmlns="" xmlns:a14="http://schemas.microsoft.com/office/drawing/2010/main" w="9525">
+                <a14:hiddenLine xmlns:a14="http://schemas.microsoft.com/office/drawing/2010/main" xmlns="" w="9525">
                   <a:solidFill>
                     <a:srgbClr val="000000"/>
                   </a:solidFill>
@@ -2883,7 +2883,7 @@
             </a:ln>
             <a:extLst>
               <a:ext uri="{91240B29-F687-4f45-9708-019B960494DF}">
-                <a14:hiddenLine xmlns="" xmlns:a14="http://schemas.microsoft.com/office/drawing/2010/main" w="9525">
+                <a14:hiddenLine xmlns:a14="http://schemas.microsoft.com/office/drawing/2010/main" xmlns="" w="9525">
                   <a:solidFill>
                     <a:srgbClr val="000000"/>
                   </a:solidFill>
@@ -2945,7 +2945,7 @@
             </a:ln>
             <a:extLst>
               <a:ext uri="{91240B29-F687-4f45-9708-019B960494DF}">
-                <a14:hiddenLine xmlns="" xmlns:a14="http://schemas.microsoft.com/office/drawing/2010/main" w="9525">
+                <a14:hiddenLine xmlns:a14="http://schemas.microsoft.com/office/drawing/2010/main" xmlns="" w="9525">
                   <a:solidFill>
                     <a:srgbClr val="000000"/>
                   </a:solidFill>
@@ -3035,7 +3035,7 @@
             </a:ln>
             <a:extLst>
               <a:ext uri="{91240B29-F687-4f45-9708-019B960494DF}">
-                <a14:hiddenLine xmlns="" xmlns:a14="http://schemas.microsoft.com/office/drawing/2010/main" w="9525">
+                <a14:hiddenLine xmlns:a14="http://schemas.microsoft.com/office/drawing/2010/main" xmlns="" w="9525">
                   <a:solidFill>
                     <a:srgbClr val="000000"/>
                   </a:solidFill>
@@ -3097,7 +3097,7 @@
             </a:ln>
             <a:extLst>
               <a:ext uri="{91240B29-F687-4f45-9708-019B960494DF}">
-                <a14:hiddenLine xmlns="" xmlns:a14="http://schemas.microsoft.com/office/drawing/2010/main" w="9525">
+                <a14:hiddenLine xmlns:a14="http://schemas.microsoft.com/office/drawing/2010/main" xmlns="" w="9525">
                   <a:solidFill>
                     <a:srgbClr val="000000"/>
                   </a:solidFill>
@@ -3187,7 +3187,7 @@
             </a:ln>
             <a:extLst>
               <a:ext uri="{91240B29-F687-4f45-9708-019B960494DF}">
-                <a14:hiddenLine xmlns="" xmlns:a14="http://schemas.microsoft.com/office/drawing/2010/main" w="9525">
+                <a14:hiddenLine xmlns:a14="http://schemas.microsoft.com/office/drawing/2010/main" xmlns="" w="9525">
                   <a:solidFill>
                     <a:srgbClr val="000000"/>
                   </a:solidFill>
@@ -3221,7 +3221,7 @@
             </a:ln>
             <a:extLst>
               <a:ext uri="{91240B29-F687-4f45-9708-019B960494DF}">
-                <a14:hiddenLine xmlns="" xmlns:a14="http://schemas.microsoft.com/office/drawing/2010/main" w="9525">
+                <a14:hiddenLine xmlns:a14="http://schemas.microsoft.com/office/drawing/2010/main" xmlns="" w="9525">
                   <a:solidFill>
                     <a:srgbClr val="000000"/>
                   </a:solidFill>
@@ -3286,7 +3286,7 @@
             </a:ln>
             <a:extLst>
               <a:ext uri="{91240B29-F687-4f45-9708-019B960494DF}">
-                <a14:hiddenLine xmlns="" xmlns:a14="http://schemas.microsoft.com/office/drawing/2010/main" w="9525">
+                <a14:hiddenLine xmlns:a14="http://schemas.microsoft.com/office/drawing/2010/main" xmlns="" w="9525">
                   <a:solidFill>
                     <a:srgbClr val="000000"/>
                   </a:solidFill>
@@ -3376,7 +3376,7 @@
             </a:ln>
             <a:extLst>
               <a:ext uri="{91240B29-F687-4f45-9708-019B960494DF}">
-                <a14:hiddenLine xmlns="" xmlns:a14="http://schemas.microsoft.com/office/drawing/2010/main" w="9525">
+                <a14:hiddenLine xmlns:a14="http://schemas.microsoft.com/office/drawing/2010/main" xmlns="" w="9525">
                   <a:solidFill>
                     <a:srgbClr val="000000"/>
                   </a:solidFill>
@@ -3438,7 +3438,7 @@
             </a:ln>
             <a:extLst>
               <a:ext uri="{91240B29-F687-4f45-9708-019B960494DF}">
-                <a14:hiddenLine xmlns="" xmlns:a14="http://schemas.microsoft.com/office/drawing/2010/main" w="9525">
+                <a14:hiddenLine xmlns:a14="http://schemas.microsoft.com/office/drawing/2010/main" xmlns="" w="9525">
                   <a:solidFill>
                     <a:srgbClr val="000000"/>
                   </a:solidFill>
@@ -3528,7 +3528,7 @@
             </a:ln>
             <a:extLst>
               <a:ext uri="{91240B29-F687-4f45-9708-019B960494DF}">
-                <a14:hiddenLine xmlns="" xmlns:a14="http://schemas.microsoft.com/office/drawing/2010/main" w="9525">
+                <a14:hiddenLine xmlns:a14="http://schemas.microsoft.com/office/drawing/2010/main" xmlns="" w="9525">
                   <a:solidFill>
                     <a:srgbClr val="000000"/>
                   </a:solidFill>
@@ -3618,7 +3618,7 @@
             </a:ln>
             <a:extLst>
               <a:ext uri="{91240B29-F687-4f45-9708-019B960494DF}">
-                <a14:hiddenLine xmlns="" xmlns:a14="http://schemas.microsoft.com/office/drawing/2010/main" w="9525">
+                <a14:hiddenLine xmlns:a14="http://schemas.microsoft.com/office/drawing/2010/main" xmlns="" w="9525">
                   <a:solidFill>
                     <a:srgbClr val="000000"/>
                   </a:solidFill>
@@ -3683,7 +3683,7 @@
             </a:ln>
             <a:extLst>
               <a:ext uri="{91240B29-F687-4f45-9708-019B960494DF}">
-                <a14:hiddenLine xmlns="" xmlns:a14="http://schemas.microsoft.com/office/drawing/2010/main" w="9525">
+                <a14:hiddenLine xmlns:a14="http://schemas.microsoft.com/office/drawing/2010/main" xmlns="" w="9525">
                   <a:solidFill>
                     <a:srgbClr val="000000"/>
                   </a:solidFill>
@@ -3745,7 +3745,7 @@
             </a:ln>
             <a:extLst>
               <a:ext uri="{91240B29-F687-4f45-9708-019B960494DF}">
-                <a14:hiddenLine xmlns="" xmlns:a14="http://schemas.microsoft.com/office/drawing/2010/main" w="9525">
+                <a14:hiddenLine xmlns:a14="http://schemas.microsoft.com/office/drawing/2010/main" xmlns="" w="9525">
                   <a:solidFill>
                     <a:srgbClr val="000000"/>
                   </a:solidFill>
@@ -3835,7 +3835,7 @@
             </a:ln>
             <a:extLst>
               <a:ext uri="{91240B29-F687-4f45-9708-019B960494DF}">
-                <a14:hiddenLine xmlns="" xmlns:a14="http://schemas.microsoft.com/office/drawing/2010/main" w="9525">
+                <a14:hiddenLine xmlns:a14="http://schemas.microsoft.com/office/drawing/2010/main" xmlns="" w="9525">
                   <a:solidFill>
                     <a:srgbClr val="000000"/>
                   </a:solidFill>
@@ -3925,7 +3925,7 @@
             </a:ln>
             <a:extLst>
               <a:ext uri="{91240B29-F687-4f45-9708-019B960494DF}">
-                <a14:hiddenLine xmlns="" xmlns:a14="http://schemas.microsoft.com/office/drawing/2010/main" w="9525">
+                <a14:hiddenLine xmlns:a14="http://schemas.microsoft.com/office/drawing/2010/main" xmlns="" w="9525">
                   <a:solidFill>
                     <a:srgbClr val="000000"/>
                   </a:solidFill>
@@ -3987,7 +3987,7 @@
             </a:ln>
             <a:extLst>
               <a:ext uri="{91240B29-F687-4f45-9708-019B960494DF}">
-                <a14:hiddenLine xmlns="" xmlns:a14="http://schemas.microsoft.com/office/drawing/2010/main" w="9525">
+                <a14:hiddenLine xmlns:a14="http://schemas.microsoft.com/office/drawing/2010/main" xmlns="" w="9525">
                   <a:solidFill>
                     <a:srgbClr val="000000"/>
                   </a:solidFill>
@@ -4107,7 +4107,7 @@
             </a:ln>
             <a:extLst>
               <a:ext uri="{91240B29-F687-4f45-9708-019B960494DF}">
-                <a14:hiddenLine xmlns="" xmlns:a14="http://schemas.microsoft.com/office/drawing/2010/main" w="9525">
+                <a14:hiddenLine xmlns:a14="http://schemas.microsoft.com/office/drawing/2010/main" xmlns="" w="9525">
                   <a:solidFill>
                     <a:srgbClr val="000000"/>
                   </a:solidFill>
@@ -4175,7 +4175,7 @@
             </a:ln>
             <a:extLst>
               <a:ext uri="{91240B29-F687-4f45-9708-019B960494DF}">
-                <a14:hiddenLine xmlns="" xmlns:a14="http://schemas.microsoft.com/office/drawing/2010/main" w="9525">
+                <a14:hiddenLine xmlns:a14="http://schemas.microsoft.com/office/drawing/2010/main" xmlns="" w="9525">
                   <a:solidFill>
                     <a:srgbClr val="000000"/>
                   </a:solidFill>
@@ -4265,7 +4265,7 @@
             </a:ln>
             <a:extLst>
               <a:ext uri="{91240B29-F687-4f45-9708-019B960494DF}">
-                <a14:hiddenLine xmlns="" xmlns:a14="http://schemas.microsoft.com/office/drawing/2010/main" w="9525">
+                <a14:hiddenLine xmlns:a14="http://schemas.microsoft.com/office/drawing/2010/main" xmlns="" w="9525">
                   <a:solidFill>
                     <a:srgbClr val="000000"/>
                   </a:solidFill>
@@ -8994,7 +8994,7 @@
           <a:noFill/>
           <a:extLst>
             <a:ext uri="{909E8E84-426E-40dd-AFC4-6F175D3DCCD1}">
-              <a14:hiddenFill xmlns="" xmlns:a14="http://schemas.microsoft.com/office/drawing/2010/main">
+              <a14:hiddenFill xmlns:a14="http://schemas.microsoft.com/office/drawing/2010/main" xmlns="">
                 <a:solidFill>
                   <a:srgbClr val="FFFFFF"/>
                 </a:solidFill>
@@ -9068,7 +9068,7 @@
               </a:ln>
               <a:extLst>
                 <a:ext uri="{91240B29-F687-4f45-9708-019B960494DF}">
-                  <a14:hiddenLine xmlns="" xmlns:a14="http://schemas.microsoft.com/office/drawing/2010/main" w="9525">
+                  <a14:hiddenLine xmlns:a14="http://schemas.microsoft.com/office/drawing/2010/main" xmlns="" w="9525">
                     <a:solidFill>
                       <a:srgbClr val="000000"/>
                     </a:solidFill>
@@ -9158,7 +9158,7 @@
               </a:ln>
               <a:extLst>
                 <a:ext uri="{91240B29-F687-4f45-9708-019B960494DF}">
-                  <a14:hiddenLine xmlns="" xmlns:a14="http://schemas.microsoft.com/office/drawing/2010/main" w="9525">
+                  <a14:hiddenLine xmlns:a14="http://schemas.microsoft.com/office/drawing/2010/main" xmlns="" w="9525">
                     <a:solidFill>
                       <a:srgbClr val="000000"/>
                     </a:solidFill>
@@ -9248,7 +9248,7 @@
               </a:ln>
               <a:extLst>
                 <a:ext uri="{91240B29-F687-4f45-9708-019B960494DF}">
-                  <a14:hiddenLine xmlns="" xmlns:a14="http://schemas.microsoft.com/office/drawing/2010/main" w="9525">
+                  <a14:hiddenLine xmlns:a14="http://schemas.microsoft.com/office/drawing/2010/main" xmlns="" w="9525">
                     <a:solidFill>
                       <a:srgbClr val="000000"/>
                     </a:solidFill>
@@ -9310,7 +9310,7 @@
               </a:ln>
               <a:extLst>
                 <a:ext uri="{91240B29-F687-4f45-9708-019B960494DF}">
-                  <a14:hiddenLine xmlns="" xmlns:a14="http://schemas.microsoft.com/office/drawing/2010/main" w="9525">
+                  <a14:hiddenLine xmlns:a14="http://schemas.microsoft.com/office/drawing/2010/main" xmlns="" w="9525">
                     <a:solidFill>
                       <a:srgbClr val="000000"/>
                     </a:solidFill>
@@ -9400,7 +9400,7 @@
               </a:ln>
               <a:extLst>
                 <a:ext uri="{91240B29-F687-4f45-9708-019B960494DF}">
-                  <a14:hiddenLine xmlns="" xmlns:a14="http://schemas.microsoft.com/office/drawing/2010/main" w="9525">
+                  <a14:hiddenLine xmlns:a14="http://schemas.microsoft.com/office/drawing/2010/main" xmlns="" w="9525">
                     <a:solidFill>
                       <a:srgbClr val="000000"/>
                     </a:solidFill>
@@ -9462,7 +9462,7 @@
               </a:ln>
               <a:extLst>
                 <a:ext uri="{91240B29-F687-4f45-9708-019B960494DF}">
-                  <a14:hiddenLine xmlns="" xmlns:a14="http://schemas.microsoft.com/office/drawing/2010/main" w="9525">
+                  <a14:hiddenLine xmlns:a14="http://schemas.microsoft.com/office/drawing/2010/main" xmlns="" w="9525">
                     <a:solidFill>
                       <a:srgbClr val="000000"/>
                     </a:solidFill>
@@ -9524,7 +9524,7 @@
               </a:ln>
               <a:extLst>
                 <a:ext uri="{91240B29-F687-4f45-9708-019B960494DF}">
-                  <a14:hiddenLine xmlns="" xmlns:a14="http://schemas.microsoft.com/office/drawing/2010/main" w="9525">
+                  <a14:hiddenLine xmlns:a14="http://schemas.microsoft.com/office/drawing/2010/main" xmlns="" w="9525">
                     <a:solidFill>
                       <a:srgbClr val="000000"/>
                     </a:solidFill>
@@ -9614,7 +9614,7 @@
               </a:ln>
               <a:extLst>
                 <a:ext uri="{91240B29-F687-4f45-9708-019B960494DF}">
-                  <a14:hiddenLine xmlns="" xmlns:a14="http://schemas.microsoft.com/office/drawing/2010/main" w="9525">
+                  <a14:hiddenLine xmlns:a14="http://schemas.microsoft.com/office/drawing/2010/main" xmlns="" w="9525">
                     <a:solidFill>
                       <a:srgbClr val="000000"/>
                     </a:solidFill>
@@ -9704,7 +9704,7 @@
               </a:ln>
               <a:extLst>
                 <a:ext uri="{91240B29-F687-4f45-9708-019B960494DF}">
-                  <a14:hiddenLine xmlns="" xmlns:a14="http://schemas.microsoft.com/office/drawing/2010/main" w="9525">
+                  <a14:hiddenLine xmlns:a14="http://schemas.microsoft.com/office/drawing/2010/main" xmlns="" w="9525">
                     <a:solidFill>
                       <a:srgbClr val="000000"/>
                     </a:solidFill>
@@ -9766,7 +9766,7 @@
               </a:ln>
               <a:extLst>
                 <a:ext uri="{91240B29-F687-4f45-9708-019B960494DF}">
-                  <a14:hiddenLine xmlns="" xmlns:a14="http://schemas.microsoft.com/office/drawing/2010/main" w="9525">
+                  <a14:hiddenLine xmlns:a14="http://schemas.microsoft.com/office/drawing/2010/main" xmlns="" w="9525">
                     <a:solidFill>
                       <a:srgbClr val="000000"/>
                     </a:solidFill>
@@ -9876,7 +9876,7 @@
               </a:ln>
               <a:extLst>
                 <a:ext uri="{91240B29-F687-4f45-9708-019B960494DF}">
-                  <a14:hiddenLine xmlns="" xmlns:a14="http://schemas.microsoft.com/office/drawing/2010/main" w="9525">
+                  <a14:hiddenLine xmlns:a14="http://schemas.microsoft.com/office/drawing/2010/main" xmlns="" w="9525">
                     <a:solidFill>
                       <a:srgbClr val="000000"/>
                     </a:solidFill>
@@ -9960,7 +9960,7 @@
               </a:ln>
               <a:extLst>
                 <a:ext uri="{91240B29-F687-4f45-9708-019B960494DF}">
-                  <a14:hiddenLine xmlns="" xmlns:a14="http://schemas.microsoft.com/office/drawing/2010/main" w="9525">
+                  <a14:hiddenLine xmlns:a14="http://schemas.microsoft.com/office/drawing/2010/main" xmlns="" w="9525">
                     <a:solidFill>
                       <a:srgbClr val="000000"/>
                     </a:solidFill>
@@ -10022,7 +10022,7 @@
               </a:ln>
               <a:extLst>
                 <a:ext uri="{91240B29-F687-4f45-9708-019B960494DF}">
-                  <a14:hiddenLine xmlns="" xmlns:a14="http://schemas.microsoft.com/office/drawing/2010/main" w="9525">
+                  <a14:hiddenLine xmlns:a14="http://schemas.microsoft.com/office/drawing/2010/main" xmlns="" w="9525">
                     <a:solidFill>
                       <a:srgbClr val="000000"/>
                     </a:solidFill>
@@ -10084,7 +10084,7 @@
               </a:ln>
               <a:extLst>
                 <a:ext uri="{91240B29-F687-4f45-9708-019B960494DF}">
-                  <a14:hiddenLine xmlns="" xmlns:a14="http://schemas.microsoft.com/office/drawing/2010/main" w="9525">
+                  <a14:hiddenLine xmlns:a14="http://schemas.microsoft.com/office/drawing/2010/main" xmlns="" w="9525">
                     <a:solidFill>
                       <a:srgbClr val="000000"/>
                     </a:solidFill>
@@ -10174,7 +10174,7 @@
               </a:ln>
               <a:extLst>
                 <a:ext uri="{91240B29-F687-4f45-9708-019B960494DF}">
-                  <a14:hiddenLine xmlns="" xmlns:a14="http://schemas.microsoft.com/office/drawing/2010/main" w="9525">
+                  <a14:hiddenLine xmlns:a14="http://schemas.microsoft.com/office/drawing/2010/main" xmlns="" w="9525">
                     <a:solidFill>
                       <a:srgbClr val="000000"/>
                     </a:solidFill>
@@ -10208,7 +10208,7 @@
               </a:ln>
               <a:extLst>
                 <a:ext uri="{91240B29-F687-4f45-9708-019B960494DF}">
-                  <a14:hiddenLine xmlns="" xmlns:a14="http://schemas.microsoft.com/office/drawing/2010/main" w="9525">
+                  <a14:hiddenLine xmlns:a14="http://schemas.microsoft.com/office/drawing/2010/main" xmlns="" w="9525">
                     <a:solidFill>
                       <a:srgbClr val="000000"/>
                     </a:solidFill>
@@ -10273,7 +10273,7 @@
               </a:ln>
               <a:extLst>
                 <a:ext uri="{91240B29-F687-4f45-9708-019B960494DF}">
-                  <a14:hiddenLine xmlns="" xmlns:a14="http://schemas.microsoft.com/office/drawing/2010/main" w="9525">
+                  <a14:hiddenLine xmlns:a14="http://schemas.microsoft.com/office/drawing/2010/main" xmlns="" w="9525">
                     <a:solidFill>
                       <a:srgbClr val="000000"/>
                     </a:solidFill>
@@ -10363,7 +10363,7 @@
               </a:ln>
               <a:extLst>
                 <a:ext uri="{91240B29-F687-4f45-9708-019B960494DF}">
-                  <a14:hiddenLine xmlns="" xmlns:a14="http://schemas.microsoft.com/office/drawing/2010/main" w="9525">
+                  <a14:hiddenLine xmlns:a14="http://schemas.microsoft.com/office/drawing/2010/main" xmlns="" w="9525">
                     <a:solidFill>
                       <a:srgbClr val="000000"/>
                     </a:solidFill>
@@ -10425,7 +10425,7 @@
               </a:ln>
               <a:extLst>
                 <a:ext uri="{91240B29-F687-4f45-9708-019B960494DF}">
-                  <a14:hiddenLine xmlns="" xmlns:a14="http://schemas.microsoft.com/office/drawing/2010/main" w="9525">
+                  <a14:hiddenLine xmlns:a14="http://schemas.microsoft.com/office/drawing/2010/main" xmlns="" w="9525">
                     <a:solidFill>
                       <a:srgbClr val="000000"/>
                     </a:solidFill>
@@ -10515,7 +10515,7 @@
               </a:ln>
               <a:extLst>
                 <a:ext uri="{91240B29-F687-4f45-9708-019B960494DF}">
-                  <a14:hiddenLine xmlns="" xmlns:a14="http://schemas.microsoft.com/office/drawing/2010/main" w="9525">
+                  <a14:hiddenLine xmlns:a14="http://schemas.microsoft.com/office/drawing/2010/main" xmlns="" w="9525">
                     <a:solidFill>
                       <a:srgbClr val="000000"/>
                     </a:solidFill>
@@ -10580,7 +10580,7 @@
               </a:ln>
               <a:extLst>
                 <a:ext uri="{91240B29-F687-4f45-9708-019B960494DF}">
-                  <a14:hiddenLine xmlns="" xmlns:a14="http://schemas.microsoft.com/office/drawing/2010/main" w="9525">
+                  <a14:hiddenLine xmlns:a14="http://schemas.microsoft.com/office/drawing/2010/main" xmlns="" w="9525">
                     <a:solidFill>
                       <a:srgbClr val="000000"/>
                     </a:solidFill>
@@ -10642,7 +10642,7 @@
               </a:ln>
               <a:extLst>
                 <a:ext uri="{91240B29-F687-4f45-9708-019B960494DF}">
-                  <a14:hiddenLine xmlns="" xmlns:a14="http://schemas.microsoft.com/office/drawing/2010/main" w="9525">
+                  <a14:hiddenLine xmlns:a14="http://schemas.microsoft.com/office/drawing/2010/main" xmlns="" w="9525">
                     <a:solidFill>
                       <a:srgbClr val="000000"/>
                     </a:solidFill>
@@ -10732,7 +10732,7 @@
               </a:ln>
               <a:extLst>
                 <a:ext uri="{91240B29-F687-4f45-9708-019B960494DF}">
-                  <a14:hiddenLine xmlns="" xmlns:a14="http://schemas.microsoft.com/office/drawing/2010/main" w="9525">
+                  <a14:hiddenLine xmlns:a14="http://schemas.microsoft.com/office/drawing/2010/main" xmlns="" w="9525">
                     <a:solidFill>
                       <a:srgbClr val="000000"/>
                     </a:solidFill>
@@ -10822,7 +10822,7 @@
               </a:ln>
               <a:extLst>
                 <a:ext uri="{91240B29-F687-4f45-9708-019B960494DF}">
-                  <a14:hiddenLine xmlns="" xmlns:a14="http://schemas.microsoft.com/office/drawing/2010/main" w="9525">
+                  <a14:hiddenLine xmlns:a14="http://schemas.microsoft.com/office/drawing/2010/main" xmlns="" w="9525">
                     <a:solidFill>
                       <a:srgbClr val="000000"/>
                     </a:solidFill>
@@ -10887,7 +10887,7 @@
               </a:ln>
               <a:extLst>
                 <a:ext uri="{91240B29-F687-4f45-9708-019B960494DF}">
-                  <a14:hiddenLine xmlns="" xmlns:a14="http://schemas.microsoft.com/office/drawing/2010/main" w="9525">
+                  <a14:hiddenLine xmlns:a14="http://schemas.microsoft.com/office/drawing/2010/main" xmlns="" w="9525">
                     <a:solidFill>
                       <a:srgbClr val="000000"/>
                     </a:solidFill>
@@ -11007,7 +11007,7 @@
               </a:ln>
               <a:extLst>
                 <a:ext uri="{91240B29-F687-4f45-9708-019B960494DF}">
-                  <a14:hiddenLine xmlns="" xmlns:a14="http://schemas.microsoft.com/office/drawing/2010/main" w="9525">
+                  <a14:hiddenLine xmlns:a14="http://schemas.microsoft.com/office/drawing/2010/main" xmlns="" w="9525">
                     <a:solidFill>
                       <a:srgbClr val="000000"/>
                     </a:solidFill>
@@ -11105,7 +11105,7 @@
               </a:ln>
               <a:extLst>
                 <a:ext uri="{91240B29-F687-4f45-9708-019B960494DF}">
-                  <a14:hiddenLine xmlns="" xmlns:a14="http://schemas.microsoft.com/office/drawing/2010/main" w="9525">
+                  <a14:hiddenLine xmlns:a14="http://schemas.microsoft.com/office/drawing/2010/main" xmlns="" w="9525">
                     <a:solidFill>
                       <a:srgbClr val="000000"/>
                     </a:solidFill>
@@ -11220,7 +11220,7 @@
               </a:ln>
               <a:extLst>
                 <a:ext uri="{91240B29-F687-4f45-9708-019B960494DF}">
-                  <a14:hiddenLine xmlns="" xmlns:a14="http://schemas.microsoft.com/office/drawing/2010/main" w="9525">
+                  <a14:hiddenLine xmlns:a14="http://schemas.microsoft.com/office/drawing/2010/main" xmlns="" w="9525">
                     <a:solidFill>
                       <a:srgbClr val="000000"/>
                     </a:solidFill>
@@ -11310,7 +11310,7 @@
               </a:ln>
               <a:extLst>
                 <a:ext uri="{91240B29-F687-4f45-9708-019B960494DF}">
-                  <a14:hiddenLine xmlns="" xmlns:a14="http://schemas.microsoft.com/office/drawing/2010/main" w="9525">
+                  <a14:hiddenLine xmlns:a14="http://schemas.microsoft.com/office/drawing/2010/main" xmlns="" w="9525">
                     <a:solidFill>
                       <a:srgbClr val="000000"/>
                     </a:solidFill>
@@ -11375,7 +11375,7 @@
               </a:ln>
               <a:extLst>
                 <a:ext uri="{91240B29-F687-4f45-9708-019B960494DF}">
-                  <a14:hiddenLine xmlns="" xmlns:a14="http://schemas.microsoft.com/office/drawing/2010/main" w="9525">
+                  <a14:hiddenLine xmlns:a14="http://schemas.microsoft.com/office/drawing/2010/main" xmlns="" w="9525">
                     <a:solidFill>
                       <a:srgbClr val="000000"/>
                     </a:solidFill>
@@ -11465,7 +11465,7 @@
               </a:ln>
               <a:extLst>
                 <a:ext uri="{91240B29-F687-4f45-9708-019B960494DF}">
-                  <a14:hiddenLine xmlns="" xmlns:a14="http://schemas.microsoft.com/office/drawing/2010/main" w="9525">
+                  <a14:hiddenLine xmlns:a14="http://schemas.microsoft.com/office/drawing/2010/main" xmlns="" w="9525">
                     <a:solidFill>
                       <a:srgbClr val="000000"/>
                     </a:solidFill>
@@ -11533,7 +11533,7 @@
               </a:ln>
               <a:extLst>
                 <a:ext uri="{91240B29-F687-4f45-9708-019B960494DF}">
-                  <a14:hiddenLine xmlns="" xmlns:a14="http://schemas.microsoft.com/office/drawing/2010/main" w="9525">
+                  <a14:hiddenLine xmlns:a14="http://schemas.microsoft.com/office/drawing/2010/main" xmlns="" w="9525">
                     <a:solidFill>
                       <a:srgbClr val="000000"/>
                     </a:solidFill>
@@ -11623,7 +11623,7 @@
               </a:ln>
               <a:extLst>
                 <a:ext uri="{91240B29-F687-4f45-9708-019B960494DF}">
-                  <a14:hiddenLine xmlns="" xmlns:a14="http://schemas.microsoft.com/office/drawing/2010/main" w="9525">
+                  <a14:hiddenLine xmlns:a14="http://schemas.microsoft.com/office/drawing/2010/main" xmlns="" w="9525">
                     <a:solidFill>
                       <a:srgbClr val="000000"/>
                     </a:solidFill>
@@ -11691,7 +11691,7 @@
               </a:ln>
               <a:extLst>
                 <a:ext uri="{91240B29-F687-4f45-9708-019B960494DF}">
-                  <a14:hiddenLine xmlns="" xmlns:a14="http://schemas.microsoft.com/office/drawing/2010/main" w="9525">
+                  <a14:hiddenLine xmlns:a14="http://schemas.microsoft.com/office/drawing/2010/main" xmlns="" w="9525">
                     <a:solidFill>
                       <a:srgbClr val="000000"/>
                     </a:solidFill>
@@ -11781,7 +11781,7 @@
               </a:ln>
               <a:extLst>
                 <a:ext uri="{91240B29-F687-4f45-9708-019B960494DF}">
-                  <a14:hiddenLine xmlns="" xmlns:a14="http://schemas.microsoft.com/office/drawing/2010/main" w="9525">
+                  <a14:hiddenLine xmlns:a14="http://schemas.microsoft.com/office/drawing/2010/main" xmlns="" w="9525">
                     <a:solidFill>
                       <a:srgbClr val="000000"/>
                     </a:solidFill>
@@ -11815,7 +11815,7 @@
               </a:ln>
               <a:extLst>
                 <a:ext uri="{91240B29-F687-4f45-9708-019B960494DF}">
-                  <a14:hiddenLine xmlns="" xmlns:a14="http://schemas.microsoft.com/office/drawing/2010/main" w="9525">
+                  <a14:hiddenLine xmlns:a14="http://schemas.microsoft.com/office/drawing/2010/main" xmlns="" w="9525">
                     <a:solidFill>
                       <a:srgbClr val="000000"/>
                     </a:solidFill>
@@ -12584,8 +12584,13 @@
           <a:p>
             <a:r>
               <a:rPr lang="en-IN" dirty="0"/>
-              <a:t>Huge possible real life applications of the following.</a:t>
-            </a:r>
+              <a:t>Huge possible real life applications of the </a:t>
+            </a:r>
+            <a:r>
+              <a:rPr lang="en-IN" dirty="0" smtClean="0"/>
+              <a:t>following :-</a:t>
+            </a:r>
+            <a:endParaRPr lang="en-IN" dirty="0"/>
           </a:p>
           <a:p>
             <a:r>
@@ -12599,13 +12604,28 @@
               <a:t>Transmission of News, </a:t>
             </a:r>
             <a:r>
-              <a:rPr lang="en-IN" dirty="0" err="1"/>
-              <a:t>anouncements</a:t>
+              <a:rPr lang="en-IN" dirty="0" smtClean="0"/>
+              <a:t>announcements </a:t>
             </a:r>
             <a:r>
               <a:rPr lang="en-IN" dirty="0"/>
-              <a:t> to people on bus stops, other public places.</a:t>
-            </a:r>
+              <a:t>to people on bus stops, other public places</a:t>
+            </a:r>
+            <a:r>
+              <a:rPr lang="en-IN" dirty="0" smtClean="0"/>
+              <a:t>.</a:t>
+            </a:r>
+          </a:p>
+          <a:p>
+            <a:r>
+              <a:rPr lang="en-IN" dirty="0" smtClean="0"/>
+              <a:t>Secret hidden messages in videos/audio can be extracted and decoded </a:t>
+            </a:r>
+            <a:r>
+              <a:rPr lang="en-IN" smtClean="0"/>
+              <a:t>using this application.</a:t>
+            </a:r>
+            <a:endParaRPr lang="en-IN" dirty="0"/>
           </a:p>
         </p:txBody>
       </p:sp>
@@ -12751,23 +12771,54 @@
           </a:p>
           <a:p>
             <a:r>
+              <a:rPr lang="en-IN" dirty="0" smtClean="0">
+                <a:effectLst/>
+              </a:rPr>
+              <a:t>One phone will encode the </a:t>
+            </a:r>
+            <a:r>
               <a:rPr lang="en-IN" dirty="0">
                 <a:effectLst/>
               </a:rPr>
-              <a:t>Encrypting the data into sound and playing it.</a:t>
-            </a:r>
-          </a:p>
-          <a:p>
+              <a:t>data into sound and </a:t>
+            </a:r>
+            <a:r>
+              <a:rPr lang="en-IN" dirty="0" smtClean="0">
+                <a:effectLst/>
+              </a:rPr>
+              <a:t>play </a:t>
+            </a:r>
             <a:r>
               <a:rPr lang="en-IN" dirty="0">
                 <a:effectLst/>
               </a:rPr>
-              <a:t>Another one will be to receive the sound and to decode it.</a:t>
-            </a:r>
-            <a:r>
-              <a:rPr lang="en-IN" dirty="0"/>
+              <a:t>it.</a:t>
+            </a:r>
+          </a:p>
+          <a:p>
+            <a:r>
+              <a:rPr lang="en-IN" dirty="0" smtClean="0">
+                <a:effectLst/>
+              </a:rPr>
+              <a:t>Second device will </a:t>
+            </a:r>
+            <a:r>
+              <a:rPr lang="en-IN" dirty="0">
+                <a:effectLst/>
+              </a:rPr>
+              <a:t>receive the </a:t>
+            </a:r>
+            <a:r>
+              <a:rPr lang="en-IN" dirty="0" smtClean="0">
+                <a:effectLst/>
+              </a:rPr>
+              <a:t>sound, decode it and display it as a message on the screen.</a:t>
+            </a:r>
+            <a:r>
+              <a:rPr lang="en-IN" dirty="0" smtClean="0"/>
               <a:t> </a:t>
             </a:r>
+            <a:endParaRPr lang="en-IN" dirty="0"/>
           </a:p>
         </p:txBody>
       </p:sp>
@@ -12781,6 +12832,13 @@
   <p:clrMapOvr>
     <a:masterClrMapping/>
   </p:clrMapOvr>
+  <p:timing>
+    <p:tnLst>
+      <p:par>
+        <p:cTn id="1" dur="indefinite" restart="never" nodeType="tmRoot"/>
+      </p:par>
+    </p:tnLst>
+  </p:timing>
 </p:sld>
 </file>
 
@@ -12858,8 +12916,19 @@
           <a:p>
             <a:r>
               <a:rPr lang="en-IN" dirty="0"/>
-              <a:t>Using a different smartphone to record and decode data.</a:t>
-            </a:r>
+              <a:t>Using a different smartphone to record and decode data</a:t>
+            </a:r>
+            <a:r>
+              <a:rPr lang="en-IN" dirty="0" smtClean="0"/>
+              <a:t>.</a:t>
+            </a:r>
+          </a:p>
+          <a:p>
+            <a:r>
+              <a:rPr lang="en-IN" dirty="0" smtClean="0"/>
+              <a:t>But there are few limitations in our project. (Shall be discussed later)</a:t>
+            </a:r>
+            <a:endParaRPr lang="en-IN" dirty="0"/>
           </a:p>
           <a:p>
             <a:endParaRPr lang="en-IN" dirty="0"/>
@@ -12882,6 +12951,13 @@
   <p:clrMapOvr>
     <a:masterClrMapping/>
   </p:clrMapOvr>
+  <p:timing>
+    <p:tnLst>
+      <p:par>
+        <p:cTn id="1" dur="indefinite" restart="never" nodeType="tmRoot"/>
+      </p:par>
+    </p:tnLst>
+  </p:timing>
 </p:sld>
 </file>
 
@@ -12973,11 +13049,7 @@
             </a:r>
             <a:r>
               <a:rPr lang="en-IN" dirty="0" smtClean="0"/>
-              <a:t>SINE</a:t>
-            </a:r>
-            <a:r>
-              <a:rPr lang="en-IN" dirty="0" smtClean="0"/>
-              <a:t> </a:t>
+              <a:t>SINE </a:t>
             </a:r>
             <a:r>
               <a:rPr lang="en-IN" dirty="0"/>
@@ -12996,6 +13068,13 @@
   <p:clrMapOvr>
     <a:masterClrMapping/>
   </p:clrMapOvr>
+  <p:timing>
+    <p:tnLst>
+      <p:par>
+        <p:cTn id="1" dur="indefinite" restart="never" nodeType="tmRoot"/>
+      </p:par>
+    </p:tnLst>
+  </p:timing>
 </p:sld>
 </file>
 
@@ -13323,12 +13402,9 @@
           <a:p>
             <a:r>
               <a:rPr lang="en-IN" dirty="0" smtClean="0"/>
-              <a:t>Challenges </a:t>
-            </a:r>
-            <a:r>
-              <a:rPr lang="en-IN" dirty="0"/>
-              <a:t>&amp; Limitations</a:t>
-            </a:r>
+              <a:t>Limitations of the current build</a:t>
+            </a:r>
+            <a:endParaRPr lang="en-IN" dirty="0"/>
           </a:p>
         </p:txBody>
       </p:sp>
@@ -13348,15 +13424,26 @@
           <a:lstStyle/>
           <a:p>
             <a:r>
+              <a:rPr lang="en-IN" dirty="0" smtClean="0"/>
+              <a:t>Data </a:t>
+            </a:r>
+            <a:r>
               <a:rPr lang="en-IN" dirty="0"/>
-              <a:t>Data can only be successfully transmitted in the form of text.</a:t>
-            </a:r>
-          </a:p>
-          <a:p>
+              <a:t>can only be transmitted over </a:t>
+            </a:r>
+            <a:r>
+              <a:rPr lang="en-IN" dirty="0" smtClean="0"/>
+              <a:t>short </a:t>
+            </a:r>
             <a:r>
               <a:rPr lang="en-IN" dirty="0"/>
-              <a:t>Data can only be transmitted over extremely short distance.</a:t>
-            </a:r>
+              <a:t>distance</a:t>
+            </a:r>
+            <a:r>
+              <a:rPr lang="en-IN" dirty="0" smtClean="0"/>
+              <a:t>. </a:t>
+            </a:r>
+            <a:endParaRPr lang="en-IN" dirty="0"/>
           </a:p>
           <a:p>
             <a:r>
@@ -13447,8 +13534,13 @@
           <a:p>
             <a:r>
               <a:rPr lang="en-IN" dirty="0"/>
-              <a:t>Add error-correction algorithms like Solomon-Reed.</a:t>
-            </a:r>
+              <a:t>Add error-correction </a:t>
+            </a:r>
+            <a:r>
+              <a:rPr lang="en-IN" dirty="0" smtClean="0"/>
+              <a:t>algorithms for better encoding.</a:t>
+            </a:r>
+            <a:endParaRPr lang="en-IN" dirty="0"/>
           </a:p>
           <a:p>
             <a:r>
